--- a/20180823_esc-soi-presentation_bm_v2.pptx
+++ b/20180823_esc-soi-presentation_bm_v2.pptx
@@ -232,7 +232,7 @@
           <a:p>
             <a:fld id="{A3129766-972C-4906-AE9E-E3BD966845FE}" type="datetimeFigureOut">
               <a:rPr lang="en-GB" smtClean="0"/>
-              <a:t>23/08/2018</a:t>
+              <a:t>27/08/2018</a:t>
             </a:fld>
             <a:endParaRPr lang="en-GB"/>
           </a:p>
@@ -397,7 +397,7 @@
           <a:p>
             <a:fld id="{3F4F3FCB-EB4C-4276-8990-DAC9D37C81A0}" type="datetimeFigureOut">
               <a:rPr lang="en-GB" smtClean="0"/>
-              <a:t>23/08/2018</a:t>
+              <a:t>27/08/2018</a:t>
             </a:fld>
             <a:endParaRPr lang="en-GB"/>
           </a:p>
@@ -5693,7 +5693,7 @@
         <p:spPr>
           <a:xfrm>
             <a:off x="1092932" y="3933056"/>
-            <a:ext cx="7102152" cy="2092881"/>
+            <a:ext cx="7102152" cy="2554545"/>
           </a:xfrm>
           <a:prstGeom prst="rect">
             <a:avLst/>
@@ -5759,6 +5759,66 @@
           </a:p>
           <a:p>
             <a:pPr algn="ctr"/>
+            <a:endParaRPr lang="en-GB" sz="1600" smtClean="0">
+              <a:solidFill>
+                <a:schemeClr val="bg1"/>
+              </a:solidFill>
+              <a:latin typeface="Consolas" panose="020B0609020204030204" pitchFamily="49" charset="0"/>
+              <a:cs typeface="Consolas" panose="020B0609020204030204" pitchFamily="49" charset="0"/>
+            </a:endParaRPr>
+          </a:p>
+          <a:p>
+            <a:pPr algn="ctr"/>
+            <a:r>
+              <a:rPr lang="en-GB" sz="1600" smtClean="0">
+                <a:solidFill>
+                  <a:schemeClr val="bg1"/>
+                </a:solidFill>
+                <a:latin typeface="Consolas" panose="020B0609020204030204" pitchFamily="49" charset="0"/>
+                <a:cs typeface="Consolas" panose="020B0609020204030204" pitchFamily="49" charset="0"/>
+              </a:rPr>
+              <a:t>@</a:t>
+            </a:r>
+            <a:r>
+              <a:rPr lang="en-GB" sz="1600" dirty="0" err="1" smtClean="0">
+                <a:solidFill>
+                  <a:schemeClr val="bg1"/>
+                </a:solidFill>
+                <a:latin typeface="Consolas" panose="020B0609020204030204" pitchFamily="49" charset="0"/>
+                <a:cs typeface="Consolas" panose="020B0609020204030204" pitchFamily="49" charset="0"/>
+              </a:rPr>
+              <a:t>U_Inequalities</a:t>
+            </a:r>
+            <a:endParaRPr lang="en-GB" sz="1600" dirty="0" smtClean="0">
+              <a:solidFill>
+                <a:schemeClr val="bg1"/>
+              </a:solidFill>
+              <a:latin typeface="Consolas" panose="020B0609020204030204" pitchFamily="49" charset="0"/>
+              <a:cs typeface="Consolas" panose="020B0609020204030204" pitchFamily="49" charset="0"/>
+            </a:endParaRPr>
+          </a:p>
+          <a:p>
+            <a:pPr algn="ctr"/>
+            <a:r>
+              <a:rPr lang="en-GB" sz="1600" dirty="0">
+                <a:solidFill>
+                  <a:schemeClr val="bg1"/>
+                </a:solidFill>
+                <a:latin typeface="Consolas" panose="020B0609020204030204" pitchFamily="49" charset="0"/>
+                <a:cs typeface="Consolas" panose="020B0609020204030204" pitchFamily="49" charset="0"/>
+              </a:rPr>
+              <a:t>@</a:t>
+            </a:r>
+            <a:r>
+              <a:rPr lang="en-GB" sz="1600" dirty="0" err="1" smtClean="0">
+                <a:solidFill>
+                  <a:schemeClr val="bg1"/>
+                </a:solidFill>
+                <a:latin typeface="Consolas" panose="020B0609020204030204" pitchFamily="49" charset="0"/>
+                <a:cs typeface="Consolas" panose="020B0609020204030204" pitchFamily="49" charset="0"/>
+              </a:rPr>
+              <a:t>adrc_scotland</a:t>
+            </a:r>
             <a:endParaRPr lang="en-GB" sz="1600" dirty="0" smtClean="0">
               <a:solidFill>
                 <a:schemeClr val="bg1"/>
